--- a/week 1/2 - Tuesday/Intro-modelling-and-metapopulation-dynamics.pptx
+++ b/week 1/2 - Tuesday/Intro-modelling-and-metapopulation-dynamics.pptx
@@ -243,7 +243,7 @@
           <a:p>
             <a:fld id="{F3DE219B-F4DD-734B-A456-3760926EB4C9}" type="datetimeFigureOut">
               <a:rPr lang="en-GB" smtClean="0"/>
-              <a:t>06/01/2023</a:t>
+              <a:t>09/01/2023</a:t>
             </a:fld>
             <a:endParaRPr lang="en-GB"/>
           </a:p>
@@ -487,7 +487,7 @@
           <a:p>
             <a:fld id="{7AD32FB1-5A1F-D34B-A3DB-2C96BF86D95A}" type="datetimeFigureOut">
               <a:rPr lang="en-AU" smtClean="0"/>
-              <a:t>6/1/2023</a:t>
+              <a:t>9/1/2023</a:t>
             </a:fld>
             <a:endParaRPr lang="en-AU"/>
           </a:p>
@@ -687,7 +687,7 @@
           <a:p>
             <a:fld id="{7AD32FB1-5A1F-D34B-A3DB-2C96BF86D95A}" type="datetimeFigureOut">
               <a:rPr lang="en-AU" smtClean="0"/>
-              <a:t>6/1/2023</a:t>
+              <a:t>9/1/2023</a:t>
             </a:fld>
             <a:endParaRPr lang="en-AU"/>
           </a:p>
@@ -897,7 +897,7 @@
           <a:p>
             <a:fld id="{7AD32FB1-5A1F-D34B-A3DB-2C96BF86D95A}" type="datetimeFigureOut">
               <a:rPr lang="en-AU" smtClean="0"/>
-              <a:t>6/1/2023</a:t>
+              <a:t>9/1/2023</a:t>
             </a:fld>
             <a:endParaRPr lang="en-AU"/>
           </a:p>
@@ -1097,7 +1097,7 @@
           <a:p>
             <a:fld id="{7AD32FB1-5A1F-D34B-A3DB-2C96BF86D95A}" type="datetimeFigureOut">
               <a:rPr lang="en-AU" smtClean="0"/>
-              <a:t>6/1/2023</a:t>
+              <a:t>9/1/2023</a:t>
             </a:fld>
             <a:endParaRPr lang="en-AU"/>
           </a:p>
@@ -1373,7 +1373,7 @@
           <a:p>
             <a:fld id="{7AD32FB1-5A1F-D34B-A3DB-2C96BF86D95A}" type="datetimeFigureOut">
               <a:rPr lang="en-AU" smtClean="0"/>
-              <a:t>6/1/2023</a:t>
+              <a:t>9/1/2023</a:t>
             </a:fld>
             <a:endParaRPr lang="en-AU"/>
           </a:p>
@@ -1641,7 +1641,7 @@
           <a:p>
             <a:fld id="{7AD32FB1-5A1F-D34B-A3DB-2C96BF86D95A}" type="datetimeFigureOut">
               <a:rPr lang="en-AU" smtClean="0"/>
-              <a:t>6/1/2023</a:t>
+              <a:t>9/1/2023</a:t>
             </a:fld>
             <a:endParaRPr lang="en-AU"/>
           </a:p>
@@ -2056,7 +2056,7 @@
           <a:p>
             <a:fld id="{7AD32FB1-5A1F-D34B-A3DB-2C96BF86D95A}" type="datetimeFigureOut">
               <a:rPr lang="en-AU" smtClean="0"/>
-              <a:t>6/1/2023</a:t>
+              <a:t>9/1/2023</a:t>
             </a:fld>
             <a:endParaRPr lang="en-AU"/>
           </a:p>
@@ -2198,7 +2198,7 @@
           <a:p>
             <a:fld id="{7AD32FB1-5A1F-D34B-A3DB-2C96BF86D95A}" type="datetimeFigureOut">
               <a:rPr lang="en-AU" smtClean="0"/>
-              <a:t>6/1/2023</a:t>
+              <a:t>9/1/2023</a:t>
             </a:fld>
             <a:endParaRPr lang="en-AU"/>
           </a:p>
@@ -2311,7 +2311,7 @@
           <a:p>
             <a:fld id="{7AD32FB1-5A1F-D34B-A3DB-2C96BF86D95A}" type="datetimeFigureOut">
               <a:rPr lang="en-AU" smtClean="0"/>
-              <a:t>6/1/2023</a:t>
+              <a:t>9/1/2023</a:t>
             </a:fld>
             <a:endParaRPr lang="en-AU"/>
           </a:p>
@@ -2624,7 +2624,7 @@
           <a:p>
             <a:fld id="{7AD32FB1-5A1F-D34B-A3DB-2C96BF86D95A}" type="datetimeFigureOut">
               <a:rPr lang="en-AU" smtClean="0"/>
-              <a:t>6/1/2023</a:t>
+              <a:t>9/1/2023</a:t>
             </a:fld>
             <a:endParaRPr lang="en-AU"/>
           </a:p>
@@ -2913,7 +2913,7 @@
           <a:p>
             <a:fld id="{7AD32FB1-5A1F-D34B-A3DB-2C96BF86D95A}" type="datetimeFigureOut">
               <a:rPr lang="en-AU" smtClean="0"/>
-              <a:t>6/1/2023</a:t>
+              <a:t>9/1/2023</a:t>
             </a:fld>
             <a:endParaRPr lang="en-AU"/>
           </a:p>
@@ -3156,7 +3156,7 @@
           <a:p>
             <a:fld id="{7AD32FB1-5A1F-D34B-A3DB-2C96BF86D95A}" type="datetimeFigureOut">
               <a:rPr lang="en-AU" smtClean="0"/>
-              <a:t>6/1/2023</a:t>
+              <a:t>9/1/2023</a:t>
             </a:fld>
             <a:endParaRPr lang="en-AU"/>
           </a:p>
@@ -4784,7 +4784,7 @@
           <a:p>
             <a:r>
               <a:rPr lang="en-AU" dirty="0"/>
-              <a:t>Theoretical modelling with a general model</a:t>
+              <a:t>Theoretical modelling</a:t>
             </a:r>
           </a:p>
           <a:p>
@@ -4793,30 +4793,13 @@
             </a:pPr>
             <a:r>
               <a:rPr lang="en-AU" dirty="0"/>
-              <a:t>-  What is the optimal spacing for protected areas?</a:t>
-            </a:r>
-          </a:p>
-          <a:p>
-            <a:pPr lvl="1">
-              <a:buFontTx/>
-              <a:buChar char="-"/>
-            </a:pPr>
-            <a:r>
-              <a:rPr lang="en-AU" dirty="0"/>
-              <a:t>What are the consequences of altered biological processes (e.g., reduced connectivity, changes to competition for resources) for biodiversity?</a:t>
-            </a:r>
-          </a:p>
-          <a:p>
-            <a:pPr lvl="1">
-              <a:buFontTx/>
-              <a:buChar char="-"/>
-            </a:pPr>
-            <a:endParaRPr lang="en-AU" dirty="0"/>
-          </a:p>
-          <a:p>
-            <a:r>
-              <a:rPr lang="en-AU" dirty="0"/>
-              <a:t>Statistical modelling with a descriptive model</a:t>
+              <a:t>-  What are the consequences of altered biological processes (e.g., reduced connectivity, changes to competition for resources) for biodiversity?</a:t>
+            </a:r>
+          </a:p>
+          <a:p>
+            <a:r>
+              <a:rPr lang="en-AU" dirty="0"/>
+              <a:t>Statistical modelling </a:t>
             </a:r>
           </a:p>
           <a:p>
@@ -4825,7 +4808,7 @@
             </a:pPr>
             <a:r>
               <a:rPr lang="en-AU" dirty="0"/>
-              <a:t>- How does diversity change with habitat fragment size? </a:t>
+              <a:t>- What is the relationship between diversity and habitat fragment size? </a:t>
             </a:r>
           </a:p>
         </p:txBody>
@@ -8563,7 +8546,7 @@
           <a:p>
             <a:r>
               <a:rPr lang="en-GB" dirty="0"/>
-              <a:t>Dispersal and environmental fluctuations (stochasticity) are important determinant of synchrony</a:t>
+              <a:t>Dispersal and environmental fluctuations (stochasticity) are important determinants of synchrony</a:t>
             </a:r>
           </a:p>
         </p:txBody>
@@ -10441,8 +10424,8 @@
           </a:p>
         </p:txBody>
       </p:sp>
-      <mc:AlternateContent xmlns:mc="http://schemas.openxmlformats.org/markup-compatibility/2006">
-        <mc:Choice xmlns:a14="http://schemas.microsoft.com/office/drawing/2010/main" Requires="a14">
+      <mc:AlternateContent xmlns:mc="http://schemas.openxmlformats.org/markup-compatibility/2006" xmlns:a14="http://schemas.microsoft.com/office/drawing/2010/main">
+        <mc:Choice Requires="a14">
           <p:sp>
             <p:nvSpPr>
               <p:cNvPr id="28" name="TextBox 27">
@@ -10471,6 +10454,7 @@
               </a:bodyPr>
               <a:lstStyle/>
               <a:p>
+                <a:pPr/>
                 <a14:m>
                   <m:oMathPara xmlns:m="http://schemas.openxmlformats.org/officeDocument/2006/math">
                     <m:oMathParaPr>
@@ -10960,6 +10944,7 @@
                 <a:endParaRPr lang="en-US" dirty="0"/>
               </a:p>
               <a:p>
+                <a:pPr/>
                 <a14:m>
                   <m:oMathPara xmlns:m="http://schemas.openxmlformats.org/officeDocument/2006/math">
                     <m:oMathParaPr>
@@ -11445,7 +11430,7 @@
             </p:txBody>
           </p:sp>
         </mc:Choice>
-        <mc:Fallback>
+        <mc:Fallback xmlns="">
           <p:sp>
             <p:nvSpPr>
               <p:cNvPr id="28" name="TextBox 27">
@@ -13862,7 +13847,7 @@
           <a:p>
             <a:r>
               <a:rPr lang="en-AU" dirty="0"/>
-              <a:t>Nature’s complexity means all models must abstract and idealise to some degree</a:t>
+              <a:t>Nature’s complexity means all models must abstract and idealise</a:t>
             </a:r>
           </a:p>
           <a:p>
@@ -13881,14 +13866,22 @@
             <a:pPr lvl="1"/>
             <a:r>
               <a:rPr lang="en-AU" dirty="0"/>
-              <a:t>Use tests to inform model development</a:t>
+              <a:t>confrontation between empirical data and model predictions informs model development</a:t>
             </a:r>
           </a:p>
           <a:p>
             <a:pPr lvl="1"/>
             <a:r>
               <a:rPr lang="en-AU" dirty="0"/>
-              <a:t>Or, to evaluate what phenomena the model can and cannot help us understand</a:t>
+              <a:t>Or, tells </a:t>
+            </a:r>
+            <a:r>
+              <a:rPr lang="en-AU"/>
+              <a:t>us what phenomena </a:t>
+            </a:r>
+            <a:r>
+              <a:rPr lang="en-AU" dirty="0"/>
+              <a:t>the model can and cannot help us understand</a:t>
             </a:r>
           </a:p>
         </p:txBody>
